--- a/Description/ラズパイZero初めての起動とWiFi接続.pptx
+++ b/Description/ラズパイZero初めての起動とWiFi接続.pptx
@@ -5,10 +5,10 @@
     <p:sldMasterId id="2147483648" r:id="rId1"/>
   </p:sldMasterIdLst>
   <p:notesMasterIdLst>
-    <p:notesMasterId r:id="rId46"/>
+    <p:notesMasterId r:id="rId48"/>
   </p:notesMasterIdLst>
   <p:handoutMasterIdLst>
-    <p:handoutMasterId r:id="rId47"/>
+    <p:handoutMasterId r:id="rId49"/>
   </p:handoutMasterIdLst>
   <p:sldIdLst>
     <p:sldId id="256" r:id="rId2"/>
@@ -55,6 +55,8 @@
     <p:sldId id="423" r:id="rId43"/>
     <p:sldId id="424" r:id="rId44"/>
     <p:sldId id="427" r:id="rId45"/>
+    <p:sldId id="430" r:id="rId46"/>
+    <p:sldId id="431" r:id="rId47"/>
   </p:sldIdLst>
   <p:sldSz cx="9144000" cy="6858000" type="screen4x3"/>
   <p:notesSz cx="6858000" cy="9144000"/>
@@ -16328,6 +16330,468 @@
     <p:extLst>
       <p:ext uri="{BB962C8B-B14F-4D97-AF65-F5344CB8AC3E}">
         <p14:creationId xmlns:p14="http://schemas.microsoft.com/office/powerpoint/2010/main" val="1034298120"/>
+      </p:ext>
+    </p:extLst>
+  </p:cSld>
+  <p:clrMapOvr>
+    <a:masterClrMapping/>
+  </p:clrMapOvr>
+</p:sld>
+</file>
+
+<file path=ppt/slides/slide45.xml><?xml version="1.0" encoding="utf-8"?>
+<p:sld xmlns:a="http://schemas.openxmlformats.org/drawingml/2006/main" xmlns:r="http://schemas.openxmlformats.org/officeDocument/2006/relationships" xmlns:p="http://schemas.openxmlformats.org/presentationml/2006/main">
+  <p:cSld>
+    <p:spTree>
+      <p:nvGrpSpPr>
+        <p:cNvPr id="1" name="">
+          <a:extLst>
+            <a:ext uri="{FF2B5EF4-FFF2-40B4-BE49-F238E27FC236}">
+              <a16:creationId xmlns:a16="http://schemas.microsoft.com/office/drawing/2014/main" id="{9BA2416C-42D4-D743-66A0-8733D2F48F1C}"/>
+            </a:ext>
+          </a:extLst>
+        </p:cNvPr>
+        <p:cNvGrpSpPr/>
+        <p:nvPr/>
+      </p:nvGrpSpPr>
+      <p:grpSpPr>
+        <a:xfrm>
+          <a:off x="0" y="0"/>
+          <a:ext cx="0" cy="0"/>
+          <a:chOff x="0" y="0"/>
+          <a:chExt cx="0" cy="0"/>
+        </a:xfrm>
+      </p:grpSpPr>
+      <p:sp>
+        <p:nvSpPr>
+          <p:cNvPr id="3" name="スライド番号プレースホルダー 2">
+            <a:extLst>
+              <a:ext uri="{FF2B5EF4-FFF2-40B4-BE49-F238E27FC236}">
+                <a16:creationId xmlns:a16="http://schemas.microsoft.com/office/drawing/2014/main" id="{93FAEEB4-8B2A-DBFE-6F0F-EB98D6E041FD}"/>
+              </a:ext>
+            </a:extLst>
+          </p:cNvPr>
+          <p:cNvSpPr>
+            <a:spLocks noGrp="1"/>
+          </p:cNvSpPr>
+          <p:nvPr>
+            <p:ph type="sldNum" sz="quarter" idx="12"/>
+          </p:nvPr>
+        </p:nvSpPr>
+        <p:spPr/>
+        <p:txBody>
+          <a:bodyPr/>
+          <a:lstStyle/>
+          <a:p>
+            <a:fld id="{C1FF6DA9-008F-8B48-92A6-B652298478BF}" type="slidenum">
+              <a:rPr lang="en-US" smtClean="0"/>
+              <a:t>44</a:t>
+            </a:fld>
+            <a:endParaRPr lang="en-US"/>
+          </a:p>
+        </p:txBody>
+      </p:sp>
+      <p:sp>
+        <p:nvSpPr>
+          <p:cNvPr id="4" name="テキスト ボックス 3">
+            <a:extLst>
+              <a:ext uri="{FF2B5EF4-FFF2-40B4-BE49-F238E27FC236}">
+                <a16:creationId xmlns:a16="http://schemas.microsoft.com/office/drawing/2014/main" id="{1FBF0129-6AC9-93DA-5438-05242A1DFD66}"/>
+              </a:ext>
+            </a:extLst>
+          </p:cNvPr>
+          <p:cNvSpPr txBox="1"/>
+          <p:nvPr/>
+        </p:nvSpPr>
+        <p:spPr>
+          <a:xfrm>
+            <a:off x="868055" y="2262893"/>
+            <a:ext cx="7407890" cy="769441"/>
+          </a:xfrm>
+          <a:prstGeom prst="rect">
+            <a:avLst/>
+          </a:prstGeom>
+          <a:noFill/>
+        </p:spPr>
+        <p:txBody>
+          <a:bodyPr wrap="square" rtlCol="0">
+            <a:spAutoFit/>
+          </a:bodyPr>
+          <a:lstStyle/>
+          <a:p>
+            <a:pPr algn="ctr"/>
+            <a:r>
+              <a:rPr kumimoji="1" lang="ja-JP" altLang="en-US" sz="4400" dirty="0"/>
+              <a:t>ラズパイのシステム終了</a:t>
+            </a:r>
+          </a:p>
+        </p:txBody>
+      </p:sp>
+    </p:spTree>
+    <p:extLst>
+      <p:ext uri="{BB962C8B-B14F-4D97-AF65-F5344CB8AC3E}">
+        <p14:creationId xmlns:p14="http://schemas.microsoft.com/office/powerpoint/2010/main" val="2653644197"/>
+      </p:ext>
+    </p:extLst>
+  </p:cSld>
+  <p:clrMapOvr>
+    <a:masterClrMapping/>
+  </p:clrMapOvr>
+</p:sld>
+</file>
+
+<file path=ppt/slides/slide46.xml><?xml version="1.0" encoding="utf-8"?>
+<p:sld xmlns:a="http://schemas.openxmlformats.org/drawingml/2006/main" xmlns:r="http://schemas.openxmlformats.org/officeDocument/2006/relationships" xmlns:p="http://schemas.openxmlformats.org/presentationml/2006/main">
+  <p:cSld>
+    <p:spTree>
+      <p:nvGrpSpPr>
+        <p:cNvPr id="1" name="">
+          <a:extLst>
+            <a:ext uri="{FF2B5EF4-FFF2-40B4-BE49-F238E27FC236}">
+              <a16:creationId xmlns:a16="http://schemas.microsoft.com/office/drawing/2014/main" id="{BBAF7E27-BA79-2673-508B-8DD31E6BFF9D}"/>
+            </a:ext>
+          </a:extLst>
+        </p:cNvPr>
+        <p:cNvGrpSpPr/>
+        <p:nvPr/>
+      </p:nvGrpSpPr>
+      <p:grpSpPr>
+        <a:xfrm>
+          <a:off x="0" y="0"/>
+          <a:ext cx="0" cy="0"/>
+          <a:chOff x="0" y="0"/>
+          <a:chExt cx="0" cy="0"/>
+        </a:xfrm>
+      </p:grpSpPr>
+      <p:pic>
+        <p:nvPicPr>
+          <p:cNvPr id="5" name="図 4">
+            <a:extLst>
+              <a:ext uri="{FF2B5EF4-FFF2-40B4-BE49-F238E27FC236}">
+                <a16:creationId xmlns:a16="http://schemas.microsoft.com/office/drawing/2014/main" id="{87191EC4-D37D-DAA1-B552-D81EF89A6335}"/>
+              </a:ext>
+            </a:extLst>
+          </p:cNvPr>
+          <p:cNvPicPr>
+            <a:picLocks noChangeAspect="1"/>
+          </p:cNvPicPr>
+          <p:nvPr/>
+        </p:nvPicPr>
+        <p:blipFill>
+          <a:blip r:embed="rId2" cstate="email">
+            <a:extLst>
+              <a:ext uri="{28A0092B-C50C-407E-A947-70E740481C1C}">
+                <a14:useLocalDpi xmlns:a14="http://schemas.microsoft.com/office/drawing/2010/main"/>
+              </a:ext>
+            </a:extLst>
+          </a:blip>
+          <a:stretch>
+            <a:fillRect/>
+          </a:stretch>
+        </p:blipFill>
+        <p:spPr>
+          <a:xfrm>
+            <a:off x="356754" y="2015670"/>
+            <a:ext cx="7968003" cy="4487808"/>
+          </a:xfrm>
+          <a:prstGeom prst="rect">
+            <a:avLst/>
+          </a:prstGeom>
+        </p:spPr>
+      </p:pic>
+      <p:sp>
+        <p:nvSpPr>
+          <p:cNvPr id="3" name="スライド番号プレースホルダー 2">
+            <a:extLst>
+              <a:ext uri="{FF2B5EF4-FFF2-40B4-BE49-F238E27FC236}">
+                <a16:creationId xmlns:a16="http://schemas.microsoft.com/office/drawing/2014/main" id="{57FA563F-232A-3E59-799B-7268E52205CB}"/>
+              </a:ext>
+            </a:extLst>
+          </p:cNvPr>
+          <p:cNvSpPr>
+            <a:spLocks noGrp="1"/>
+          </p:cNvSpPr>
+          <p:nvPr>
+            <p:ph type="sldNum" sz="quarter" idx="12"/>
+          </p:nvPr>
+        </p:nvSpPr>
+        <p:spPr/>
+        <p:txBody>
+          <a:bodyPr/>
+          <a:lstStyle/>
+          <a:p>
+            <a:fld id="{C1FF6DA9-008F-8B48-92A6-B652298478BF}" type="slidenum">
+              <a:rPr lang="en-US" smtClean="0"/>
+              <a:t>45</a:t>
+            </a:fld>
+            <a:endParaRPr lang="en-US"/>
+          </a:p>
+        </p:txBody>
+      </p:sp>
+      <p:sp>
+        <p:nvSpPr>
+          <p:cNvPr id="8" name="テキスト ボックス 7">
+            <a:extLst>
+              <a:ext uri="{FF2B5EF4-FFF2-40B4-BE49-F238E27FC236}">
+                <a16:creationId xmlns:a16="http://schemas.microsoft.com/office/drawing/2014/main" id="{157440DE-1647-ACAB-C64F-DCD84378140D}"/>
+              </a:ext>
+            </a:extLst>
+          </p:cNvPr>
+          <p:cNvSpPr txBox="1"/>
+          <p:nvPr/>
+        </p:nvSpPr>
+        <p:spPr>
+          <a:xfrm>
+            <a:off x="216938" y="243077"/>
+            <a:ext cx="6811935" cy="461665"/>
+          </a:xfrm>
+          <a:prstGeom prst="rect">
+            <a:avLst/>
+          </a:prstGeom>
+          <a:noFill/>
+        </p:spPr>
+        <p:txBody>
+          <a:bodyPr wrap="square" rtlCol="0">
+            <a:spAutoFit/>
+          </a:bodyPr>
+          <a:lstStyle/>
+          <a:p>
+            <a:r>
+              <a:rPr kumimoji="1" lang="ja-JP" altLang="en-US" sz="2400" dirty="0"/>
+              <a:t>ラズパイの仕様の確認</a:t>
+            </a:r>
+          </a:p>
+        </p:txBody>
+      </p:sp>
+      <p:sp>
+        <p:nvSpPr>
+          <p:cNvPr id="22" name="テキスト ボックス 21">
+            <a:extLst>
+              <a:ext uri="{FF2B5EF4-FFF2-40B4-BE49-F238E27FC236}">
+                <a16:creationId xmlns:a16="http://schemas.microsoft.com/office/drawing/2014/main" id="{50148DA6-7D59-AAD1-52B8-18400E41C2A9}"/>
+              </a:ext>
+            </a:extLst>
+          </p:cNvPr>
+          <p:cNvSpPr txBox="1"/>
+          <p:nvPr/>
+        </p:nvSpPr>
+        <p:spPr>
+          <a:xfrm>
+            <a:off x="207483" y="650922"/>
+            <a:ext cx="8266545" cy="400110"/>
+          </a:xfrm>
+          <a:prstGeom prst="rect">
+            <a:avLst/>
+          </a:prstGeom>
+          <a:noFill/>
+        </p:spPr>
+        <p:txBody>
+          <a:bodyPr wrap="square" rtlCol="0">
+            <a:spAutoFit/>
+          </a:bodyPr>
+          <a:lstStyle/>
+          <a:p>
+            <a:r>
+              <a:rPr kumimoji="1" lang="ja-JP" altLang="en-US" sz="2000" dirty="0"/>
+              <a:t>以下のコマンドを入力します。</a:t>
+            </a:r>
+          </a:p>
+        </p:txBody>
+      </p:sp>
+      <p:sp>
+        <p:nvSpPr>
+          <p:cNvPr id="10" name="四角形: 角を丸くする 9">
+            <a:extLst>
+              <a:ext uri="{FF2B5EF4-FFF2-40B4-BE49-F238E27FC236}">
+                <a16:creationId xmlns:a16="http://schemas.microsoft.com/office/drawing/2014/main" id="{68DBC8C7-AE46-C16D-5B88-35CE050513A3}"/>
+              </a:ext>
+            </a:extLst>
+          </p:cNvPr>
+          <p:cNvSpPr/>
+          <p:nvPr/>
+        </p:nvSpPr>
+        <p:spPr>
+          <a:xfrm>
+            <a:off x="1487872" y="4374479"/>
+            <a:ext cx="1606310" cy="197521"/>
+          </a:xfrm>
+          <a:prstGeom prst="roundRect">
+            <a:avLst>
+              <a:gd name="adj" fmla="val 3340"/>
+            </a:avLst>
+          </a:prstGeom>
+          <a:noFill/>
+          <a:ln w="41275">
+            <a:solidFill>
+              <a:srgbClr val="E64555"/>
+            </a:solidFill>
+          </a:ln>
+          <a:effectLst/>
+        </p:spPr>
+        <p:style>
+          <a:lnRef idx="1">
+            <a:schemeClr val="accent1"/>
+          </a:lnRef>
+          <a:fillRef idx="3">
+            <a:schemeClr val="accent1"/>
+          </a:fillRef>
+          <a:effectRef idx="2">
+            <a:schemeClr val="accent1"/>
+          </a:effectRef>
+          <a:fontRef idx="minor">
+            <a:schemeClr val="lt1"/>
+          </a:fontRef>
+        </p:style>
+        <p:txBody>
+          <a:bodyPr rtlCol="0" anchor="ctr"/>
+          <a:lstStyle/>
+          <a:p>
+            <a:pPr algn="ctr"/>
+            <a:endParaRPr kumimoji="1" lang="ja-JP" altLang="en-US"/>
+          </a:p>
+        </p:txBody>
+      </p:sp>
+      <p:cxnSp>
+        <p:nvCxnSpPr>
+          <p:cNvPr id="18" name="直線矢印コネクタ 17">
+            <a:extLst>
+              <a:ext uri="{FF2B5EF4-FFF2-40B4-BE49-F238E27FC236}">
+                <a16:creationId xmlns:a16="http://schemas.microsoft.com/office/drawing/2014/main" id="{F62DB026-B09D-1374-2FF6-F575DC59D167}"/>
+              </a:ext>
+            </a:extLst>
+          </p:cNvPr>
+          <p:cNvCxnSpPr>
+            <a:cxnSpLocks/>
+          </p:cNvCxnSpPr>
+          <p:nvPr/>
+        </p:nvCxnSpPr>
+        <p:spPr>
+          <a:xfrm>
+            <a:off x="1080655" y="1451142"/>
+            <a:ext cx="720436" cy="2816058"/>
+          </a:xfrm>
+          <a:prstGeom prst="straightConnector1">
+            <a:avLst/>
+          </a:prstGeom>
+          <a:ln>
+            <a:solidFill>
+              <a:srgbClr val="E64555"/>
+            </a:solidFill>
+            <a:headEnd w="lg" len="med"/>
+            <a:tailEnd type="triangle" w="lg" len="med"/>
+          </a:ln>
+          <a:effectLst/>
+        </p:spPr>
+        <p:style>
+          <a:lnRef idx="2">
+            <a:schemeClr val="accent1"/>
+          </a:lnRef>
+          <a:fillRef idx="0">
+            <a:schemeClr val="accent1"/>
+          </a:fillRef>
+          <a:effectRef idx="1">
+            <a:schemeClr val="accent1"/>
+          </a:effectRef>
+          <a:fontRef idx="minor">
+            <a:schemeClr val="tx1"/>
+          </a:fontRef>
+        </p:style>
+      </p:cxnSp>
+      <p:sp>
+        <p:nvSpPr>
+          <p:cNvPr id="12" name="テキスト ボックス 11">
+            <a:extLst>
+              <a:ext uri="{FF2B5EF4-FFF2-40B4-BE49-F238E27FC236}">
+                <a16:creationId xmlns:a16="http://schemas.microsoft.com/office/drawing/2014/main" id="{4ED966B3-C091-A90A-B6F1-1246F0ABCFC3}"/>
+              </a:ext>
+            </a:extLst>
+          </p:cNvPr>
+          <p:cNvSpPr txBox="1"/>
+          <p:nvPr/>
+        </p:nvSpPr>
+        <p:spPr>
+          <a:xfrm>
+            <a:off x="356755" y="1051032"/>
+            <a:ext cx="8579762" cy="400110"/>
+          </a:xfrm>
+          <a:prstGeom prst="rect">
+            <a:avLst/>
+          </a:prstGeom>
+          <a:noFill/>
+        </p:spPr>
+        <p:txBody>
+          <a:bodyPr wrap="square" rtlCol="0">
+            <a:spAutoFit/>
+          </a:bodyPr>
+          <a:lstStyle/>
+          <a:p>
+            <a:r>
+              <a:rPr kumimoji="1" lang="en-US" altLang="ja-JP" sz="2000" dirty="0" err="1"/>
+              <a:t>sudo</a:t>
+            </a:r>
+            <a:r>
+              <a:rPr kumimoji="1" lang="en-US" altLang="ja-JP" sz="2000" dirty="0"/>
+              <a:t> shutdown -h now</a:t>
+            </a:r>
+            <a:endParaRPr kumimoji="1" lang="ja-JP" altLang="en-US" sz="2000" dirty="0"/>
+          </a:p>
+        </p:txBody>
+      </p:sp>
+      <p:sp>
+        <p:nvSpPr>
+          <p:cNvPr id="6" name="テキスト ボックス 5">
+            <a:extLst>
+              <a:ext uri="{FF2B5EF4-FFF2-40B4-BE49-F238E27FC236}">
+                <a16:creationId xmlns:a16="http://schemas.microsoft.com/office/drawing/2014/main" id="{42317031-511B-A25C-4C94-F9C2C3D69A09}"/>
+              </a:ext>
+            </a:extLst>
+          </p:cNvPr>
+          <p:cNvSpPr txBox="1"/>
+          <p:nvPr/>
+        </p:nvSpPr>
+        <p:spPr>
+          <a:xfrm>
+            <a:off x="1570700" y="1506886"/>
+            <a:ext cx="7216546" cy="400110"/>
+          </a:xfrm>
+          <a:prstGeom prst="rect">
+            <a:avLst/>
+          </a:prstGeom>
+          <a:noFill/>
+        </p:spPr>
+        <p:txBody>
+          <a:bodyPr wrap="square" rtlCol="0">
+            <a:spAutoFit/>
+          </a:bodyPr>
+          <a:lstStyle/>
+          <a:p>
+            <a:r>
+              <a:rPr kumimoji="1" lang="ja-JP" altLang="en-US" sz="2000" dirty="0"/>
+              <a:t>終了すると、ラズパイ</a:t>
+            </a:r>
+            <a:r>
+              <a:rPr kumimoji="1" lang="en-US" altLang="ja-JP" sz="2000" dirty="0"/>
+              <a:t>ZERO 2 W</a:t>
+            </a:r>
+            <a:r>
+              <a:rPr kumimoji="1" lang="ja-JP" altLang="en-US" sz="2000" dirty="0"/>
+              <a:t> の緑の</a:t>
+            </a:r>
+            <a:r>
+              <a:rPr kumimoji="1" lang="en-US" altLang="ja-JP" sz="2000" dirty="0"/>
+              <a:t>LED</a:t>
+            </a:r>
+            <a:r>
+              <a:rPr kumimoji="1" lang="ja-JP" altLang="en-US" sz="2000" dirty="0"/>
+              <a:t>が消えます。</a:t>
+            </a:r>
+          </a:p>
+        </p:txBody>
+      </p:sp>
+    </p:spTree>
+    <p:extLst>
+      <p:ext uri="{BB962C8B-B14F-4D97-AF65-F5344CB8AC3E}">
+        <p14:creationId xmlns:p14="http://schemas.microsoft.com/office/powerpoint/2010/main" val="3499725324"/>
       </p:ext>
     </p:extLst>
   </p:cSld>
